--- a/dir/java日志系统.pptx
+++ b/dir/java日志系统.pptx
@@ -212,7 +212,7 @@
           <a:p>
             <a:fld id="{D40DD3B9-4C5F-4934-86A9-2D1250B4308C}" type="datetimeFigureOut">
               <a:rPr lang="zh-CN" altLang="en-US" smtClean="0"/>
-              <a:t>2018/12/11</a:t>
+              <a:t>2019/2/17</a:t>
             </a:fld>
             <a:endParaRPr lang="zh-CN" altLang="en-US"/>
           </a:p>
@@ -860,7 +860,7 @@
           <a:p>
             <a:fld id="{530820CF-B880-4189-942D-D702A7CBA730}" type="datetimeFigureOut">
               <a:rPr lang="zh-CN" altLang="en-US" smtClean="0"/>
-              <a:t>2018/12/11</a:t>
+              <a:t>2019/2/17</a:t>
             </a:fld>
             <a:endParaRPr lang="zh-CN" altLang="en-US"/>
           </a:p>
@@ -1025,7 +1025,7 @@
           <a:p>
             <a:fld id="{530820CF-B880-4189-942D-D702A7CBA730}" type="datetimeFigureOut">
               <a:rPr lang="zh-CN" altLang="en-US" smtClean="0"/>
-              <a:t>2018/12/11</a:t>
+              <a:t>2019/2/17</a:t>
             </a:fld>
             <a:endParaRPr lang="zh-CN" altLang="en-US"/>
           </a:p>
@@ -1200,7 +1200,7 @@
           <a:p>
             <a:fld id="{530820CF-B880-4189-942D-D702A7CBA730}" type="datetimeFigureOut">
               <a:rPr lang="zh-CN" altLang="en-US" smtClean="0"/>
-              <a:t>2018/12/11</a:t>
+              <a:t>2019/2/17</a:t>
             </a:fld>
             <a:endParaRPr lang="zh-CN" altLang="en-US"/>
           </a:p>
@@ -1365,7 +1365,7 @@
           <a:p>
             <a:fld id="{530820CF-B880-4189-942D-D702A7CBA730}" type="datetimeFigureOut">
               <a:rPr lang="zh-CN" altLang="en-US" smtClean="0"/>
-              <a:t>2018/12/11</a:t>
+              <a:t>2019/2/17</a:t>
             </a:fld>
             <a:endParaRPr lang="zh-CN" altLang="en-US"/>
           </a:p>
@@ -1606,7 +1606,7 @@
           <a:p>
             <a:fld id="{530820CF-B880-4189-942D-D702A7CBA730}" type="datetimeFigureOut">
               <a:rPr lang="zh-CN" altLang="en-US" smtClean="0"/>
-              <a:t>2018/12/11</a:t>
+              <a:t>2019/2/17</a:t>
             </a:fld>
             <a:endParaRPr lang="zh-CN" altLang="en-US"/>
           </a:p>
@@ -1889,7 +1889,7 @@
           <a:p>
             <a:fld id="{530820CF-B880-4189-942D-D702A7CBA730}" type="datetimeFigureOut">
               <a:rPr lang="zh-CN" altLang="en-US" smtClean="0"/>
-              <a:t>2018/12/11</a:t>
+              <a:t>2019/2/17</a:t>
             </a:fld>
             <a:endParaRPr lang="zh-CN" altLang="en-US"/>
           </a:p>
@@ -2306,7 +2306,7 @@
           <a:p>
             <a:fld id="{530820CF-B880-4189-942D-D702A7CBA730}" type="datetimeFigureOut">
               <a:rPr lang="zh-CN" altLang="en-US" smtClean="0"/>
-              <a:t>2018/12/11</a:t>
+              <a:t>2019/2/17</a:t>
             </a:fld>
             <a:endParaRPr lang="zh-CN" altLang="en-US"/>
           </a:p>
@@ -2419,7 +2419,7 @@
           <a:p>
             <a:fld id="{530820CF-B880-4189-942D-D702A7CBA730}" type="datetimeFigureOut">
               <a:rPr lang="zh-CN" altLang="en-US" smtClean="0"/>
-              <a:t>2018/12/11</a:t>
+              <a:t>2019/2/17</a:t>
             </a:fld>
             <a:endParaRPr lang="zh-CN" altLang="en-US"/>
           </a:p>
@@ -2509,7 +2509,7 @@
           <a:p>
             <a:fld id="{530820CF-B880-4189-942D-D702A7CBA730}" type="datetimeFigureOut">
               <a:rPr lang="zh-CN" altLang="en-US" smtClean="0"/>
-              <a:t>2018/12/11</a:t>
+              <a:t>2019/2/17</a:t>
             </a:fld>
             <a:endParaRPr lang="zh-CN" altLang="en-US"/>
           </a:p>
@@ -2781,7 +2781,7 @@
           <a:p>
             <a:fld id="{530820CF-B880-4189-942D-D702A7CBA730}" type="datetimeFigureOut">
               <a:rPr lang="zh-CN" altLang="en-US" smtClean="0"/>
-              <a:t>2018/12/11</a:t>
+              <a:t>2019/2/17</a:t>
             </a:fld>
             <a:endParaRPr lang="zh-CN" altLang="en-US"/>
           </a:p>
@@ -3029,7 +3029,7 @@
           <a:p>
             <a:fld id="{530820CF-B880-4189-942D-D702A7CBA730}" type="datetimeFigureOut">
               <a:rPr lang="zh-CN" altLang="en-US" smtClean="0"/>
-              <a:t>2018/12/11</a:t>
+              <a:t>2019/2/17</a:t>
             </a:fld>
             <a:endParaRPr lang="zh-CN" altLang="en-US"/>
           </a:p>
@@ -3237,7 +3237,7 @@
           <a:p>
             <a:fld id="{530820CF-B880-4189-942D-D702A7CBA730}" type="datetimeFigureOut">
               <a:rPr lang="zh-CN" altLang="en-US" smtClean="0"/>
-              <a:t>2018/12/11</a:t>
+              <a:t>2019/2/17</a:t>
             </a:fld>
             <a:endParaRPr lang="zh-CN" altLang="en-US"/>
           </a:p>
@@ -3649,6 +3649,10 @@
           </a:bodyPr>
           <a:lstStyle/>
           <a:p>
+            <a:r>
+              <a:rPr lang="en-US" altLang="zh-CN" sz="2400" smtClean="0"/>
+              <a:t>sun</a:t>
+            </a:r>
             <a:endParaRPr lang="zh-CN" altLang="en-US" sz="2400"/>
           </a:p>
         </p:txBody>
@@ -3711,7 +3715,6 @@
               <a:rPr lang="zh-CN" altLang="en-US" sz="2800" dirty="0"/>
               <a:t>布局方式</a:t>
             </a:r>
-            <a:endParaRPr lang="zh-CN" altLang="en-US" sz="2800" dirty="0"/>
           </a:p>
         </p:txBody>
       </p:sp>
@@ -4655,13 +4658,7 @@
               <a:rPr lang="zh-CN" altLang="en-US" sz="2000" dirty="0">
                 <a:latin typeface="+mn-ea"/>
               </a:rPr>
-              <a:t>最低等级，用于打开所有日志记录</a:t>
-            </a:r>
-            <a:r>
-              <a:rPr lang="zh-CN" altLang="en-US" sz="2000" dirty="0">
-                <a:latin typeface="+mn-ea"/>
-              </a:rPr>
-              <a:t>。</a:t>
+              <a:t>最低等级，用于打开所有日志记录。</a:t>
             </a:r>
             <a:endParaRPr lang="en-US" altLang="zh-CN" sz="2000" dirty="0">
               <a:latin typeface="+mn-ea"/>
@@ -4821,13 +4818,7 @@
               <a:rPr lang="en-US" altLang="zh-CN" sz="2000" dirty="0">
                 <a:latin typeface="+mn-ea"/>
               </a:rPr>
-              <a:t>log4j.rootLogger</a:t>
-            </a:r>
-            <a:r>
-              <a:rPr lang="en-US" altLang="zh-CN" sz="2000" dirty="0">
-                <a:latin typeface="+mn-ea"/>
-              </a:rPr>
-              <a:t> = debug , </a:t>
+              <a:t>log4j.rootLogger = debug , </a:t>
             </a:r>
             <a:r>
               <a:rPr lang="en-US" altLang="zh-CN" sz="2000" dirty="0" err="1" smtClean="0">
@@ -5224,13 +5215,7 @@
               <a:rPr lang="en-US" altLang="zh-CN" sz="2000" dirty="0">
                 <a:latin typeface="+mn-ea"/>
               </a:rPr>
-              <a:t>log4j.appender.E</a:t>
-            </a:r>
-            <a:r>
-              <a:rPr lang="en-US" altLang="zh-CN" sz="2000" dirty="0">
-                <a:latin typeface="+mn-ea"/>
-              </a:rPr>
-              <a:t> = org.apache.log4j.DailyRollingFileAppender</a:t>
+              <a:t>log4j.appender.E = org.apache.log4j.DailyRollingFileAppender</a:t>
             </a:r>
             <a:br>
               <a:rPr lang="en-US" altLang="zh-CN" sz="2000" dirty="0">
@@ -5241,13 +5226,7 @@
               <a:rPr lang="en-US" altLang="zh-CN" sz="2000" dirty="0">
                 <a:latin typeface="+mn-ea"/>
               </a:rPr>
-              <a:t>log4j.appender.E.File</a:t>
-            </a:r>
-            <a:r>
-              <a:rPr lang="en-US" altLang="zh-CN" sz="2000" dirty="0">
-                <a:latin typeface="+mn-ea"/>
-              </a:rPr>
-              <a:t> = logs/error.log ## </a:t>
+              <a:t>log4j.appender.E.File = logs/error.log ## </a:t>
             </a:r>
             <a:r>
               <a:rPr lang="zh-CN" altLang="en-US" sz="2000" dirty="0">
@@ -5264,13 +5243,7 @@
               <a:rPr lang="en-US" altLang="zh-CN" sz="2000" dirty="0">
                 <a:latin typeface="+mn-ea"/>
               </a:rPr>
-              <a:t>log4j.appender.E.Append</a:t>
-            </a:r>
-            <a:r>
-              <a:rPr lang="en-US" altLang="zh-CN" sz="2000" dirty="0">
-                <a:latin typeface="+mn-ea"/>
-              </a:rPr>
-              <a:t> = true</a:t>
+              <a:t>log4j.appender.E.Append = true</a:t>
             </a:r>
             <a:br>
               <a:rPr lang="en-US" altLang="zh-CN" sz="2000" dirty="0">
@@ -5281,13 +5254,7 @@
               <a:rPr lang="en-US" altLang="zh-CN" sz="2000" dirty="0">
                 <a:latin typeface="+mn-ea"/>
               </a:rPr>
-              <a:t>log4j.appender.E.Threshold</a:t>
-            </a:r>
-            <a:r>
-              <a:rPr lang="en-US" altLang="zh-CN" sz="2000" dirty="0">
-                <a:latin typeface="+mn-ea"/>
-              </a:rPr>
-              <a:t> = ERROR ## </a:t>
+              <a:t>log4j.appender.E.Threshold = ERROR ## </a:t>
             </a:r>
             <a:r>
               <a:rPr lang="zh-CN" altLang="en-US" sz="2000" dirty="0">
@@ -5322,13 +5289,7 @@
               <a:rPr lang="en-US" altLang="zh-CN" sz="2000" dirty="0">
                 <a:latin typeface="+mn-ea"/>
               </a:rPr>
-              <a:t>log4j.appender.E.layout</a:t>
-            </a:r>
-            <a:r>
-              <a:rPr lang="en-US" altLang="zh-CN" sz="2000" dirty="0">
-                <a:latin typeface="+mn-ea"/>
-              </a:rPr>
-              <a:t> = org.apache.log4j.PatternLayout</a:t>
+              <a:t>log4j.appender.E.layout = org.apache.log4j.PatternLayout</a:t>
             </a:r>
             <a:br>
               <a:rPr lang="en-US" altLang="zh-CN" sz="2000" dirty="0">
@@ -5339,13 +5300,7 @@
               <a:rPr lang="en-US" altLang="zh-CN" sz="2000" dirty="0">
                 <a:latin typeface="+mn-ea"/>
               </a:rPr>
-              <a:t>log4j.appender.E.layout.ConversionPattern</a:t>
-            </a:r>
-            <a:r>
-              <a:rPr lang="en-US" altLang="zh-CN" sz="2000" dirty="0">
-                <a:latin typeface="+mn-ea"/>
-              </a:rPr>
-              <a:t> = %-d{</a:t>
+              <a:t>log4j.appender.E.layout.ConversionPattern = %-d{</a:t>
             </a:r>
             <a:r>
               <a:rPr lang="en-US" altLang="zh-CN" sz="2000" dirty="0" err="1">
@@ -5674,7 +5629,6 @@
               <a:rPr lang="zh-CN" altLang="en-US" sz="2800" dirty="0"/>
               <a:t>日志系统与日志框架</a:t>
             </a:r>
-            <a:endParaRPr lang="zh-CN" altLang="en-US" sz="2800" dirty="0"/>
           </a:p>
         </p:txBody>
       </p:sp>
@@ -5756,13 +5710,7 @@
               <a:rPr lang="zh-CN" altLang="en-US" sz="2000" dirty="0">
                 <a:latin typeface="+mn-ea"/>
               </a:rPr>
-              <a:t>等等</a:t>
-            </a:r>
-            <a:r>
-              <a:rPr lang="zh-CN" altLang="en-US" sz="2000" dirty="0">
-                <a:latin typeface="+mn-ea"/>
-              </a:rPr>
-              <a:t>；</a:t>
+              <a:t>等等；</a:t>
             </a:r>
             <a:endParaRPr lang="en-US" altLang="zh-CN" sz="2000" dirty="0">
               <a:latin typeface="+mn-ea"/>
@@ -5883,7 +5831,6 @@
               <a:rPr lang="zh-CN" altLang="en-US" sz="2800" dirty="0"/>
               <a:t>日志发展</a:t>
             </a:r>
-            <a:endParaRPr lang="zh-CN" altLang="en-US" sz="2800" dirty="0"/>
           </a:p>
         </p:txBody>
       </p:sp>
@@ -6079,13 +6026,7 @@
               <a:rPr lang="zh-CN" altLang="en-US" sz="2000" dirty="0">
                 <a:latin typeface="+mn-ea"/>
               </a:rPr>
-              <a:t>，举个例子</a:t>
-            </a:r>
-            <a:r>
-              <a:rPr lang="zh-CN" altLang="en-US" sz="2000" dirty="0">
-                <a:latin typeface="+mn-ea"/>
-              </a:rPr>
-              <a:t>：</a:t>
+              <a:t>，举个例子：</a:t>
             </a:r>
             <a:endParaRPr lang="en-US" altLang="zh-CN" sz="2000" dirty="0">
               <a:latin typeface="+mn-ea"/>
@@ -6193,66 +6134,54 @@
               <a:rPr lang="en-US" altLang="zh-CN" sz="2000" dirty="0">
                 <a:latin typeface="+mn-ea"/>
               </a:rPr>
+              <a:t>slf4j-simple </a:t>
+            </a:r>
+          </a:p>
+          <a:p>
+            <a:pPr marL="0" indent="0">
+              <a:buNone/>
+            </a:pPr>
+            <a:r>
+              <a:rPr lang="zh-CN" altLang="en-US" sz="2000" dirty="0">
+                <a:latin typeface="+mn-ea"/>
+              </a:rPr>
+              <a:t>这样，我们的系统就不得不同时支持并维护</a:t>
+            </a:r>
+            <a:r>
+              <a:rPr lang="en-US" altLang="zh-CN" sz="2000" dirty="0" err="1">
+                <a:latin typeface="+mn-ea"/>
+              </a:rPr>
+              <a:t>logback</a:t>
+            </a:r>
+            <a:r>
+              <a:rPr lang="zh-CN" altLang="en-US" sz="2000" dirty="0">
+                <a:latin typeface="+mn-ea"/>
+              </a:rPr>
+              <a:t>、</a:t>
+            </a:r>
+            <a:r>
+              <a:rPr lang="en-US" altLang="zh-CN" sz="2000" dirty="0">
+                <a:latin typeface="+mn-ea"/>
+              </a:rPr>
+              <a:t>log4j</a:t>
+            </a:r>
+            <a:r>
+              <a:rPr lang="zh-CN" altLang="en-US" sz="2000" dirty="0">
+                <a:latin typeface="+mn-ea"/>
+              </a:rPr>
+              <a:t>、</a:t>
+            </a:r>
+            <a:r>
+              <a:rPr lang="en-US" altLang="zh-CN" sz="2000" dirty="0">
+                <a:latin typeface="+mn-ea"/>
+              </a:rPr>
               <a:t>slf4j-simple</a:t>
             </a:r>
             <a:r>
-              <a:rPr lang="en-US" altLang="zh-CN" sz="2000" dirty="0">
-                <a:latin typeface="+mn-ea"/>
-              </a:rPr>
-              <a:t> </a:t>
-            </a:r>
-          </a:p>
-          <a:p>
-            <a:pPr marL="0" indent="0">
-              <a:buNone/>
-            </a:pPr>
-            <a:r>
-              <a:rPr lang="zh-CN" altLang="en-US" sz="2000" dirty="0">
-                <a:latin typeface="+mn-ea"/>
-              </a:rPr>
-              <a:t>这样，我们的系统就不得不同时支持并维护</a:t>
-            </a:r>
-            <a:r>
-              <a:rPr lang="en-US" altLang="zh-CN" sz="2000" dirty="0" err="1">
-                <a:latin typeface="+mn-ea"/>
-              </a:rPr>
-              <a:t>logback</a:t>
-            </a:r>
-            <a:r>
-              <a:rPr lang="zh-CN" altLang="en-US" sz="2000" dirty="0">
-                <a:latin typeface="+mn-ea"/>
-              </a:rPr>
-              <a:t>、</a:t>
-            </a:r>
-            <a:r>
-              <a:rPr lang="en-US" altLang="zh-CN" sz="2000" dirty="0">
-                <a:latin typeface="+mn-ea"/>
-              </a:rPr>
-              <a:t>log4j</a:t>
-            </a:r>
-            <a:r>
-              <a:rPr lang="zh-CN" altLang="en-US" sz="2000" dirty="0">
-                <a:latin typeface="+mn-ea"/>
-              </a:rPr>
-              <a:t>、</a:t>
-            </a:r>
-            <a:r>
-              <a:rPr lang="en-US" altLang="zh-CN" sz="2000" dirty="0">
-                <a:latin typeface="+mn-ea"/>
-              </a:rPr>
-              <a:t>slf4j-simple</a:t>
-            </a:r>
-            <a:r>
-              <a:rPr lang="zh-CN" altLang="en-US" sz="2000" dirty="0">
-                <a:latin typeface="+mn-ea"/>
-              </a:rPr>
-              <a:t>三种日志框架，非常不便</a:t>
-            </a:r>
-            <a:r>
-              <a:rPr lang="zh-CN" altLang="en-US" sz="2000" dirty="0">
-                <a:latin typeface="+mn-ea"/>
-              </a:rPr>
-              <a:t>。</a:t>
+              <a:rPr lang="zh-CN" altLang="en-US" sz="2000" dirty="0">
+                <a:latin typeface="+mn-ea"/>
+              </a:rPr>
+              <a:t>三种日志框架，非常不便。</a:t>
             </a:r>
             <a:endParaRPr lang="en-US" altLang="zh-CN" sz="2000" dirty="0">
               <a:latin typeface="+mn-ea"/>
@@ -6408,13 +6337,7 @@
               <a:rPr lang="zh-CN" altLang="en-US" sz="2000" dirty="0">
                 <a:latin typeface="+mn-ea"/>
               </a:rPr>
-              <a:t>只是一个日志标准，并不是日志系统的具体</a:t>
-            </a:r>
-            <a:r>
-              <a:rPr lang="zh-CN" altLang="en-US" sz="2000" dirty="0">
-                <a:latin typeface="+mn-ea"/>
-              </a:rPr>
-              <a:t>实现</a:t>
+              <a:t>只是一个日志标准，并不是日志系统的具体实现</a:t>
             </a:r>
             <a:endParaRPr lang="en-US" altLang="zh-CN" sz="2000" dirty="0">
               <a:latin typeface="+mn-ea"/>
@@ -6465,13 +6388,7 @@
               <a:rPr lang="zh-CN" altLang="en-US" sz="2000" dirty="0">
                 <a:latin typeface="+mn-ea"/>
               </a:rPr>
-              <a:t>提供获取具体日志对象的</a:t>
-            </a:r>
-            <a:r>
-              <a:rPr lang="zh-CN" altLang="en-US" sz="2000" dirty="0">
-                <a:latin typeface="+mn-ea"/>
-              </a:rPr>
-              <a:t>方法</a:t>
+              <a:t>提供获取具体日志对象的方法</a:t>
             </a:r>
             <a:endParaRPr lang="en-US" altLang="zh-CN" sz="2000" dirty="0">
               <a:latin typeface="+mn-ea"/>
@@ -7083,13 +7000,7 @@
               <a:rPr lang="zh-CN" altLang="en-US" sz="2000" dirty="0">
                 <a:latin typeface="+mn-ea"/>
               </a:rPr>
-              <a:t>无感知也</a:t>
-            </a:r>
-            <a:r>
-              <a:rPr lang="zh-CN" altLang="en-US" sz="2000" dirty="0">
-                <a:latin typeface="+mn-ea"/>
-              </a:rPr>
-              <a:t>不关心。</a:t>
+              <a:t>无感知也不关心。</a:t>
             </a:r>
           </a:p>
         </p:txBody>
@@ -7248,13 +7159,7 @@
               <a:rPr lang="zh-CN" altLang="en-US" sz="2000" dirty="0">
                 <a:latin typeface="+mn-ea"/>
               </a:rPr>
-              <a:t>上来又不想改代码，怎么办呢？这时反向桥接器就能大展拳脚了</a:t>
-            </a:r>
-            <a:r>
-              <a:rPr lang="zh-CN" altLang="en-US" sz="2000" dirty="0">
-                <a:latin typeface="+mn-ea"/>
-              </a:rPr>
-              <a:t>。</a:t>
+              <a:t>上来又不想改代码，怎么办呢？这时反向桥接器就能大展拳脚了。</a:t>
             </a:r>
             <a:endParaRPr lang="en-US" altLang="zh-CN" sz="2000" dirty="0">
               <a:latin typeface="+mn-ea"/>
@@ -7417,17 +7322,8 @@
               <a:rPr lang="zh-CN" altLang="en-US" sz="2000" dirty="0">
                 <a:latin typeface="+mn-ea"/>
               </a:rPr>
-              <a:t>中一样的类，偷天换日，悄悄的来了个狸猫换太子</a:t>
-            </a:r>
-            <a:r>
-              <a:rPr lang="zh-CN" altLang="en-US" sz="2000" dirty="0">
-                <a:latin typeface="+mn-ea"/>
-              </a:rPr>
-              <a:t>。</a:t>
-            </a:r>
-            <a:endParaRPr lang="zh-CN" altLang="en-US" sz="2000" dirty="0">
-              <a:latin typeface="+mn-ea"/>
-            </a:endParaRPr>
+              <a:t>中一样的类，偷天换日，悄悄的来了个狸猫换太子。</a:t>
+            </a:r>
           </a:p>
         </p:txBody>
       </p:sp>
@@ -7489,7 +7385,6 @@
               <a:rPr lang="zh-CN" altLang="en-US" sz="2800" dirty="0"/>
               <a:t>最原始的日志记录方式</a:t>
             </a:r>
-            <a:endParaRPr lang="zh-CN" altLang="en-US" sz="2800" dirty="0"/>
           </a:p>
         </p:txBody>
       </p:sp>
@@ -7517,13 +7412,7 @@
               <a:rPr lang="zh-CN" altLang="en-US" sz="2000" dirty="0">
                 <a:latin typeface="+mn-ea"/>
               </a:rPr>
-              <a:t>通常</a:t>
-            </a:r>
-            <a:r>
-              <a:rPr lang="zh-CN" altLang="en-US" sz="2000" dirty="0">
-                <a:latin typeface="+mn-ea"/>
-              </a:rPr>
-              <a:t>，我们写代码的过程中，免不了要输出各种调试信息。在没有使用任何日志工具之前，都会使用 </a:t>
+              <a:t>通常，我们写代码的过程中，免不了要输出各种调试信息。在没有使用任何日志工具之前，都会使用 </a:t>
             </a:r>
             <a:r>
               <a:rPr lang="en-US" altLang="zh-CN" sz="2000" dirty="0" err="1">
@@ -7537,12 +7426,6 @@
               </a:rPr>
               <a:t> 来做到。 这么做直观有效，但是有一系列的缺点：</a:t>
             </a:r>
-            <a:r>
-              <a:rPr lang="zh-CN" altLang="en-US" sz="2000" dirty="0">
-                <a:latin typeface="+mn-ea"/>
-              </a:rPr>
-              <a:t/>
-            </a:r>
             <a:br>
               <a:rPr lang="zh-CN" altLang="en-US" sz="2000" dirty="0">
                 <a:latin typeface="+mn-ea"/>
@@ -7560,12 +7443,6 @@
               </a:rPr>
               <a:t>不知道这句话是在哪个类，哪个线程里出来的</a:t>
             </a:r>
-            <a:r>
-              <a:rPr lang="zh-CN" altLang="en-US" sz="2000" dirty="0">
-                <a:latin typeface="+mn-ea"/>
-              </a:rPr>
-              <a:t/>
-            </a:r>
             <a:br>
               <a:rPr lang="zh-CN" altLang="en-US" sz="2000" dirty="0">
                 <a:latin typeface="+mn-ea"/>
@@ -7583,12 +7460,6 @@
               </a:rPr>
               <a:t>不知道什么时候前后两句输出间隔了多少时间</a:t>
             </a:r>
-            <a:r>
-              <a:rPr lang="zh-CN" altLang="en-US" sz="2000" dirty="0">
-                <a:latin typeface="+mn-ea"/>
-              </a:rPr>
-              <a:t/>
-            </a:r>
             <a:br>
               <a:rPr lang="zh-CN" altLang="en-US" sz="2000" dirty="0">
                 <a:latin typeface="+mn-ea"/>
@@ -7616,13 +7487,7 @@
               <a:rPr lang="zh-CN" altLang="en-US" sz="2000" dirty="0">
                 <a:latin typeface="+mn-ea"/>
               </a:rPr>
-              <a:t>多了之后，到处都是输出，增加定位自己需要信息的</a:t>
-            </a:r>
-            <a:r>
-              <a:rPr lang="zh-CN" altLang="en-US" sz="2000" dirty="0">
-                <a:latin typeface="+mn-ea"/>
-              </a:rPr>
-              <a:t>难度</a:t>
+              <a:t>多了之后，到处都是输出，增加定位自己需要信息的难度</a:t>
             </a:r>
             <a:endParaRPr lang="en-US" altLang="zh-CN" sz="2000" dirty="0">
               <a:latin typeface="+mn-ea"/>
@@ -7747,7 +7612,6 @@
               <a:rPr lang="zh-CN" altLang="en-US" sz="2800" dirty="0"/>
               <a:t>记录信息</a:t>
             </a:r>
-            <a:endParaRPr lang="zh-CN" altLang="en-US" sz="2800" dirty="0"/>
           </a:p>
         </p:txBody>
       </p:sp>
@@ -8516,13 +8380,7 @@
               <a:rPr lang="zh-CN" altLang="en-US" sz="2000" dirty="0">
                 <a:latin typeface="+mn-ea"/>
               </a:rPr>
-              <a:t>，我们可以控制日志信息输送的目的地是控制台、文件</a:t>
-            </a:r>
-            <a:r>
-              <a:rPr lang="zh-CN" altLang="en-US" sz="2000" dirty="0">
-                <a:latin typeface="+mn-ea"/>
-              </a:rPr>
-              <a:t>、</a:t>
+              <a:t>，我们可以控制日志信息输送的目的地是控制台、文件、</a:t>
             </a:r>
             <a:r>
               <a:rPr lang="en-US" altLang="zh-CN" sz="2000" dirty="0">
@@ -8534,13 +8392,7 @@
               <a:rPr lang="zh-CN" altLang="en-US" sz="2000" dirty="0">
                 <a:latin typeface="+mn-ea"/>
               </a:rPr>
-              <a:t>组件、</a:t>
-            </a:r>
-            <a:r>
-              <a:rPr lang="zh-CN" altLang="en-US" sz="2000" dirty="0">
-                <a:latin typeface="+mn-ea"/>
-              </a:rPr>
-              <a:t>甚至是套接口服务器、</a:t>
+              <a:t>组件、甚至是套接口服务器、</a:t>
             </a:r>
             <a:r>
               <a:rPr lang="en-US" altLang="zh-CN" sz="2000" dirty="0">
@@ -8564,13 +8416,7 @@
               <a:rPr lang="zh-CN" altLang="en-US" sz="2000" dirty="0">
                 <a:latin typeface="+mn-ea"/>
               </a:rPr>
-              <a:t>守护进程等；我们也可以控制每一条日志的输出格式；通过定义每一条日志信息的级别，我们能够更加细致地控制日志的生成过程。最令人感兴趣的就是，这些可以通过一个配置文件来灵活地进行配置，而不需要修改应用的代码</a:t>
-            </a:r>
-            <a:r>
-              <a:rPr lang="zh-CN" altLang="en-US" sz="2000" dirty="0">
-                <a:latin typeface="+mn-ea"/>
-              </a:rPr>
-              <a:t>。</a:t>
+              <a:t>守护进程等；我们也可以控制每一条日志的输出格式；通过定义每一条日志信息的级别，我们能够更加细致地控制日志的生成过程。最令人感兴趣的就是，这些可以通过一个配置文件来灵活地进行配置，而不需要修改应用的代码。</a:t>
             </a:r>
             <a:endParaRPr lang="en-US" altLang="zh-CN" sz="2000" dirty="0">
               <a:latin typeface="+mn-ea"/>
@@ -8646,13 +8492,8 @@
             </a:r>
             <a:r>
               <a:rPr lang="zh-CN" altLang="en-US" sz="2800" dirty="0"/>
-              <a:t>中有三个主要</a:t>
-            </a:r>
-            <a:r>
-              <a:rPr lang="zh-CN" altLang="en-US" sz="2800" dirty="0"/>
-              <a:t>组成部分</a:t>
-            </a:r>
-            <a:endParaRPr lang="zh-CN" altLang="en-US" sz="2800" dirty="0"/>
+              <a:t>中有三个主要组成部分</a:t>
+            </a:r>
           </a:p>
         </p:txBody>
       </p:sp>
@@ -8795,13 +8636,8 @@
           <a:p>
             <a:r>
               <a:rPr lang="zh-CN" altLang="en-US" sz="2800" dirty="0"/>
-              <a:t>输出</a:t>
-            </a:r>
-            <a:r>
-              <a:rPr lang="zh-CN" altLang="en-US" sz="2800" dirty="0"/>
-              <a:t>方式</a:t>
-            </a:r>
-            <a:endParaRPr lang="zh-CN" altLang="en-US" sz="2800" dirty="0"/>
+              <a:t>输出方式</a:t>
+            </a:r>
           </a:p>
         </p:txBody>
       </p:sp>
@@ -8942,19 +8778,7 @@
               <a:rPr lang="zh-CN" altLang="en-US" sz="2000" dirty="0">
                 <a:latin typeface="+mn-ea"/>
               </a:rPr>
-              <a:t>（文件大小到达指定尺寸的时候产生一个新的文件</a:t>
-            </a:r>
-            <a:r>
-              <a:rPr lang="zh-CN" altLang="en-US" sz="2000" dirty="0">
-                <a:latin typeface="+mn-ea"/>
-              </a:rPr>
-              <a:t>）</a:t>
-            </a:r>
-            <a:r>
-              <a:rPr lang="zh-CN" altLang="en-US" sz="2000" dirty="0">
-                <a:latin typeface="+mn-ea"/>
-              </a:rPr>
-              <a:t/>
+              <a:t>（文件大小到达指定尺寸的时候产生一个新的文件）</a:t>
             </a:r>
             <a:br>
               <a:rPr lang="zh-CN" altLang="en-US" sz="2000" dirty="0">
